--- a/Preview.pptx
+++ b/Preview.pptx
@@ -130,183 +130,6 @@
     <p1510:client id="{5DB96426-253B-432A-A7AB-C3B8D464C687}" v="6" dt="2020-04-21T01:55:47.377"/>
   </p1510:revLst>
 </p1510:revInfo>
-</file>
-
-<file path=ppt/changesInfos/changesInfo1.xml><?xml version="1.0" encoding="utf-8"?>
-<pc:chgInfo xmlns:a="http://schemas.openxmlformats.org/drawingml/2006/main" xmlns:r="http://schemas.openxmlformats.org/officeDocument/2006/relationships" xmlns:ac="http://schemas.microsoft.com/office/drawing/2013/main/command" xmlns:pc="http://schemas.microsoft.com/office/powerpoint/2013/main/command">
-  <pc:docChgLst>
-    <pc:chgData name="UrLeaka Newsome" userId="ec703df06d914869" providerId="LiveId" clId="{3D8D404D-FED2-4626-8E85-C6994EFFA56A}"/>
-    <pc:docChg chg="custSel modSld">
-      <pc:chgData name="UrLeaka Newsome" userId="ec703df06d914869" providerId="LiveId" clId="{3D8D404D-FED2-4626-8E85-C6994EFFA56A}" dt="2020-04-21T18:05:14.441" v="13" actId="20577"/>
-      <pc:docMkLst>
-        <pc:docMk/>
-      </pc:docMkLst>
-      <pc:sldChg chg="modSp mod modAnim">
-        <pc:chgData name="UrLeaka Newsome" userId="ec703df06d914869" providerId="LiveId" clId="{3D8D404D-FED2-4626-8E85-C6994EFFA56A}" dt="2020-04-21T18:05:14.441" v="13" actId="20577"/>
-        <pc:sldMkLst>
-          <pc:docMk/>
-          <pc:sldMk cId="469033343" sldId="1234"/>
-        </pc:sldMkLst>
-        <pc:spChg chg="mod">
-          <ac:chgData name="UrLeaka Newsome" userId="ec703df06d914869" providerId="LiveId" clId="{3D8D404D-FED2-4626-8E85-C6994EFFA56A}" dt="2020-04-21T18:05:14.441" v="13" actId="20577"/>
-          <ac:spMkLst>
-            <pc:docMk/>
-            <pc:sldMk cId="469033343" sldId="1234"/>
-            <ac:spMk id="3" creationId="{1815A25A-9D55-4F90-8E89-B75C459E3C4D}"/>
-          </ac:spMkLst>
-        </pc:spChg>
-      </pc:sldChg>
-    </pc:docChg>
-  </pc:docChgLst>
-  <pc:docChgLst>
-    <pc:chgData name="UrLeaka Newsome" userId="ec703df06d914869" providerId="LiveId" clId="{5DB96426-253B-432A-A7AB-C3B8D464C687}"/>
-    <pc:docChg chg="custSel addSld delSld modSld sldOrd">
-      <pc:chgData name="UrLeaka Newsome" userId="ec703df06d914869" providerId="LiveId" clId="{5DB96426-253B-432A-A7AB-C3B8D464C687}" dt="2020-04-21T02:09:23.195" v="311" actId="20577"/>
-      <pc:docMkLst>
-        <pc:docMk/>
-      </pc:docMkLst>
-      <pc:sldChg chg="addSp delSp modSp">
-        <pc:chgData name="UrLeaka Newsome" userId="ec703df06d914869" providerId="LiveId" clId="{5DB96426-253B-432A-A7AB-C3B8D464C687}" dt="2020-04-21T01:55:39.964" v="181" actId="478"/>
-        <pc:sldMkLst>
-          <pc:docMk/>
-          <pc:sldMk cId="851297991" sldId="1237"/>
-        </pc:sldMkLst>
-        <pc:spChg chg="mod">
-          <ac:chgData name="UrLeaka Newsome" userId="ec703df06d914869" providerId="LiveId" clId="{5DB96426-253B-432A-A7AB-C3B8D464C687}" dt="2020-04-21T01:48:00.636" v="73" actId="5793"/>
-          <ac:spMkLst>
-            <pc:docMk/>
-            <pc:sldMk cId="851297991" sldId="1237"/>
-            <ac:spMk id="2" creationId="{F082BE64-EECE-4076-A428-644DDCE10FEB}"/>
-          </ac:spMkLst>
-        </pc:spChg>
-        <pc:spChg chg="mod">
-          <ac:chgData name="UrLeaka Newsome" userId="ec703df06d914869" providerId="LiveId" clId="{5DB96426-253B-432A-A7AB-C3B8D464C687}" dt="2020-04-21T01:55:28.599" v="178" actId="1076"/>
-          <ac:spMkLst>
-            <pc:docMk/>
-            <pc:sldMk cId="851297991" sldId="1237"/>
-            <ac:spMk id="3" creationId="{FCE26A5F-43F4-4091-BB60-29A81E7E8FFD}"/>
-          </ac:spMkLst>
-        </pc:spChg>
-        <pc:spChg chg="add del mod">
-          <ac:chgData name="UrLeaka Newsome" userId="ec703df06d914869" providerId="LiveId" clId="{5DB96426-253B-432A-A7AB-C3B8D464C687}" dt="2020-04-21T01:47:40.368" v="17"/>
-          <ac:spMkLst>
-            <pc:docMk/>
-            <pc:sldMk cId="851297991" sldId="1237"/>
-            <ac:spMk id="4" creationId="{4152F800-6F2C-43E9-BE65-2CB9068B9768}"/>
-          </ac:spMkLst>
-        </pc:spChg>
-        <pc:spChg chg="add mod">
-          <ac:chgData name="UrLeaka Newsome" userId="ec703df06d914869" providerId="LiveId" clId="{5DB96426-253B-432A-A7AB-C3B8D464C687}" dt="2020-04-21T01:55:35.417" v="179" actId="1076"/>
-          <ac:spMkLst>
-            <pc:docMk/>
-            <pc:sldMk cId="851297991" sldId="1237"/>
-            <ac:spMk id="5" creationId="{328C58B8-EA81-45EA-B535-12F974DB9305}"/>
-          </ac:spMkLst>
-        </pc:spChg>
-        <pc:spChg chg="add del mod">
-          <ac:chgData name="UrLeaka Newsome" userId="ec703df06d914869" providerId="LiveId" clId="{5DB96426-253B-432A-A7AB-C3B8D464C687}" dt="2020-04-21T01:55:39.964" v="181" actId="478"/>
-          <ac:spMkLst>
-            <pc:docMk/>
-            <pc:sldMk cId="851297991" sldId="1237"/>
-            <ac:spMk id="6" creationId="{58AE9E85-30EC-4C06-B06A-FBDC28906DEB}"/>
-          </ac:spMkLst>
-        </pc:spChg>
-        <pc:spChg chg="add del mod">
-          <ac:chgData name="UrLeaka Newsome" userId="ec703df06d914869" providerId="LiveId" clId="{5DB96426-253B-432A-A7AB-C3B8D464C687}" dt="2020-04-21T01:55:24.461" v="176"/>
-          <ac:spMkLst>
-            <pc:docMk/>
-            <pc:sldMk cId="851297991" sldId="1237"/>
-            <ac:spMk id="7" creationId="{0EC00FBE-AAAD-4066-A0BE-3FE5E02FFA6E}"/>
-          </ac:spMkLst>
-        </pc:spChg>
-      </pc:sldChg>
-      <pc:sldChg chg="modSp">
-        <pc:chgData name="UrLeaka Newsome" userId="ec703df06d914869" providerId="LiveId" clId="{5DB96426-253B-432A-A7AB-C3B8D464C687}" dt="2020-04-21T01:37:00.172" v="13" actId="403"/>
-        <pc:sldMkLst>
-          <pc:docMk/>
-          <pc:sldMk cId="598177897" sldId="1238"/>
-        </pc:sldMkLst>
-        <pc:spChg chg="mod">
-          <ac:chgData name="UrLeaka Newsome" userId="ec703df06d914869" providerId="LiveId" clId="{5DB96426-253B-432A-A7AB-C3B8D464C687}" dt="2020-04-21T01:37:00.172" v="13" actId="403"/>
-          <ac:spMkLst>
-            <pc:docMk/>
-            <pc:sldMk cId="598177897" sldId="1238"/>
-            <ac:spMk id="2" creationId="{71D52591-D5E7-4F40-8C60-0F3E5F39DA08}"/>
-          </ac:spMkLst>
-        </pc:spChg>
-        <pc:spChg chg="mod">
-          <ac:chgData name="UrLeaka Newsome" userId="ec703df06d914869" providerId="LiveId" clId="{5DB96426-253B-432A-A7AB-C3B8D464C687}" dt="2020-04-21T01:36:34.835" v="4" actId="21"/>
-          <ac:spMkLst>
-            <pc:docMk/>
-            <pc:sldMk cId="598177897" sldId="1238"/>
-            <ac:spMk id="3" creationId="{37181812-43B9-4E47-9425-286BB19DBBF4}"/>
-          </ac:spMkLst>
-        </pc:spChg>
-      </pc:sldChg>
-      <pc:sldChg chg="modSp">
-        <pc:chgData name="UrLeaka Newsome" userId="ec703df06d914869" providerId="LiveId" clId="{5DB96426-253B-432A-A7AB-C3B8D464C687}" dt="2020-04-21T01:36:29.065" v="3" actId="20577"/>
-        <pc:sldMkLst>
-          <pc:docMk/>
-          <pc:sldMk cId="290886300" sldId="1239"/>
-        </pc:sldMkLst>
-        <pc:spChg chg="mod">
-          <ac:chgData name="UrLeaka Newsome" userId="ec703df06d914869" providerId="LiveId" clId="{5DB96426-253B-432A-A7AB-C3B8D464C687}" dt="2020-04-21T01:36:26.174" v="1"/>
-          <ac:spMkLst>
-            <pc:docMk/>
-            <pc:sldMk cId="290886300" sldId="1239"/>
-            <ac:spMk id="2" creationId="{17DDEF33-0A24-4CDB-A03E-B3A0D132A165}"/>
-          </ac:spMkLst>
-        </pc:spChg>
-        <pc:spChg chg="mod">
-          <ac:chgData name="UrLeaka Newsome" userId="ec703df06d914869" providerId="LiveId" clId="{5DB96426-253B-432A-A7AB-C3B8D464C687}" dt="2020-04-21T01:36:29.065" v="3" actId="20577"/>
-          <ac:spMkLst>
-            <pc:docMk/>
-            <pc:sldMk cId="290886300" sldId="1239"/>
-            <ac:spMk id="3" creationId="{B199C99C-A431-46B7-982E-B83A310195F7}"/>
-          </ac:spMkLst>
-        </pc:spChg>
-      </pc:sldChg>
-      <pc:sldChg chg="modSp new del ord">
-        <pc:chgData name="UrLeaka Newsome" userId="ec703df06d914869" providerId="LiveId" clId="{5DB96426-253B-432A-A7AB-C3B8D464C687}" dt="2020-04-21T01:50:53.941" v="152" actId="47"/>
-        <pc:sldMkLst>
-          <pc:docMk/>
-          <pc:sldMk cId="95640247" sldId="1240"/>
-        </pc:sldMkLst>
-        <pc:spChg chg="mod">
-          <ac:chgData name="UrLeaka Newsome" userId="ec703df06d914869" providerId="LiveId" clId="{5DB96426-253B-432A-A7AB-C3B8D464C687}" dt="2020-04-21T01:50:50.680" v="151" actId="20577"/>
-          <ac:spMkLst>
-            <pc:docMk/>
-            <pc:sldMk cId="95640247" sldId="1240"/>
-            <ac:spMk id="2" creationId="{74EF1835-FB00-488F-A517-4192DB421C0F}"/>
-          </ac:spMkLst>
-        </pc:spChg>
-      </pc:sldChg>
-      <pc:sldChg chg="modSp new">
-        <pc:chgData name="UrLeaka Newsome" userId="ec703df06d914869" providerId="LiveId" clId="{5DB96426-253B-432A-A7AB-C3B8D464C687}" dt="2020-04-21T02:09:23.195" v="311" actId="20577"/>
-        <pc:sldMkLst>
-          <pc:docMk/>
-          <pc:sldMk cId="2042352779" sldId="1240"/>
-        </pc:sldMkLst>
-        <pc:spChg chg="mod">
-          <ac:chgData name="UrLeaka Newsome" userId="ec703df06d914869" providerId="LiveId" clId="{5DB96426-253B-432A-A7AB-C3B8D464C687}" dt="2020-04-21T01:55:54.328" v="200" actId="20577"/>
-          <ac:spMkLst>
-            <pc:docMk/>
-            <pc:sldMk cId="2042352779" sldId="1240"/>
-            <ac:spMk id="2" creationId="{DE407906-CBA7-4AFA-A1D7-887B8D6166DC}"/>
-          </ac:spMkLst>
-        </pc:spChg>
-        <pc:spChg chg="mod">
-          <ac:chgData name="UrLeaka Newsome" userId="ec703df06d914869" providerId="LiveId" clId="{5DB96426-253B-432A-A7AB-C3B8D464C687}" dt="2020-04-21T02:09:23.195" v="311" actId="20577"/>
-          <ac:spMkLst>
-            <pc:docMk/>
-            <pc:sldMk cId="2042352779" sldId="1240"/>
-            <ac:spMk id="3" creationId="{CFE860C7-7877-4536-84D7-3580A58CF497}"/>
-          </ac:spMkLst>
-        </pc:spChg>
-      </pc:sldChg>
-    </pc:docChg>
-  </pc:docChgLst>
-</pc:chgInfo>
 </file>
 
 <file path=ppt/notesMasters/notesMaster1.xml><?xml version="1.0" encoding="utf-8"?>
@@ -3984,6 +3807,10 @@
             <a:r>
               <a:rPr lang="en-US" dirty="0" err="1"/>
               <a:t>BlueBook</a:t>
+            </a:r>
+            <a:r>
+              <a:rPr lang="en-US"/>
+              <a:t> </a:t>
             </a:r>
             <a:endParaRPr lang="en-US" dirty="0"/>
           </a:p>
